--- a/FFPM/FFPM 547.pptx
+++ b/FFPM/FFPM 547.pptx
@@ -113,6 +113,22 @@
       </a:defRPr>
     </a:lvl9pPr>
   </p:defaultTextStyle>
+  <p:extLst>
+    <p:ext uri="{EFAFB233-063F-42B5-8137-9DF3F51BA10A}">
+      <p15:sldGuideLst xmlns:p15="http://schemas.microsoft.com/office/powerpoint/2012/main">
+        <p15:guide id="1" orient="horz" pos="1620">
+          <p15:clr>
+            <a:srgbClr val="A4A3A4"/>
+          </p15:clr>
+        </p15:guide>
+        <p15:guide id="2" pos="2880">
+          <p15:clr>
+            <a:srgbClr val="A4A3A4"/>
+          </p15:clr>
+        </p15:guide>
+      </p15:sldGuideLst>
+    </p:ext>
+  </p:extLst>
 </p:presentation>
 </file>
 
@@ -154,10 +170,9 @@
           <a:lstStyle/>
           <a:p>
             <a:r>
-              <a:rPr lang="fr-FR" smtClean="0"/>
+              <a:rPr lang="fr-FR"/>
               <a:t>Cliquez pour modifier le style du titre</a:t>
             </a:r>
-            <a:endParaRPr lang="fr-FR"/>
           </a:p>
         </p:txBody>
       </p:sp>
@@ -273,10 +288,9 @@
           </a:lstStyle>
           <a:p>
             <a:r>
-              <a:rPr lang="fr-FR" smtClean="0"/>
+              <a:rPr lang="fr-FR"/>
               <a:t>Cliquez pour modifier le style des sous-titres du masque</a:t>
             </a:r>
-            <a:endParaRPr lang="fr-FR"/>
           </a:p>
         </p:txBody>
       </p:sp>
@@ -298,7 +312,7 @@
             <a:fld id="{E1E9137A-D7C1-4F8C-A62B-C89ADD9F06F3}" type="datetimeFigureOut">
               <a:rPr lang="fr-FR" smtClean="0"/>
               <a:pPr/>
-              <a:t>23/08/2014</a:t>
+              <a:t>09/06/2024</a:t>
             </a:fld>
             <a:endParaRPr lang="fr-FR"/>
           </a:p>
@@ -388,10 +402,9 @@
           <a:lstStyle/>
           <a:p>
             <a:r>
-              <a:rPr lang="fr-FR" smtClean="0"/>
+              <a:rPr lang="fr-FR"/>
               <a:t>Cliquez pour modifier le style du titre</a:t>
             </a:r>
-            <a:endParaRPr lang="fr-FR"/>
           </a:p>
         </p:txBody>
       </p:sp>
@@ -412,38 +425,37 @@
           <a:p>
             <a:pPr lvl="0"/>
             <a:r>
-              <a:rPr lang="fr-FR" smtClean="0"/>
+              <a:rPr lang="fr-FR"/>
               <a:t>Cliquez pour modifier les styles du texte du masque</a:t>
             </a:r>
           </a:p>
           <a:p>
             <a:pPr lvl="1"/>
             <a:r>
-              <a:rPr lang="fr-FR" smtClean="0"/>
+              <a:rPr lang="fr-FR"/>
               <a:t>Deuxième niveau</a:t>
             </a:r>
           </a:p>
           <a:p>
             <a:pPr lvl="2"/>
             <a:r>
-              <a:rPr lang="fr-FR" smtClean="0"/>
+              <a:rPr lang="fr-FR"/>
               <a:t>Troisième niveau</a:t>
             </a:r>
           </a:p>
           <a:p>
             <a:pPr lvl="3"/>
             <a:r>
-              <a:rPr lang="fr-FR" smtClean="0"/>
+              <a:rPr lang="fr-FR"/>
               <a:t>Quatrième niveau</a:t>
             </a:r>
           </a:p>
           <a:p>
             <a:pPr lvl="4"/>
             <a:r>
-              <a:rPr lang="fr-FR" smtClean="0"/>
+              <a:rPr lang="fr-FR"/>
               <a:t>Cinquième niveau</a:t>
             </a:r>
-            <a:endParaRPr lang="fr-FR"/>
           </a:p>
         </p:txBody>
       </p:sp>
@@ -465,7 +477,7 @@
             <a:fld id="{E1E9137A-D7C1-4F8C-A62B-C89ADD9F06F3}" type="datetimeFigureOut">
               <a:rPr lang="fr-FR" smtClean="0"/>
               <a:pPr/>
-              <a:t>23/08/2014</a:t>
+              <a:t>09/06/2024</a:t>
             </a:fld>
             <a:endParaRPr lang="fr-FR"/>
           </a:p>
@@ -560,10 +572,9 @@
           <a:lstStyle/>
           <a:p>
             <a:r>
-              <a:rPr lang="fr-FR" smtClean="0"/>
+              <a:rPr lang="fr-FR"/>
               <a:t>Cliquez pour modifier le style du titre</a:t>
             </a:r>
-            <a:endParaRPr lang="fr-FR"/>
           </a:p>
         </p:txBody>
       </p:sp>
@@ -589,38 +600,37 @@
           <a:p>
             <a:pPr lvl="0"/>
             <a:r>
-              <a:rPr lang="fr-FR" smtClean="0"/>
+              <a:rPr lang="fr-FR"/>
               <a:t>Cliquez pour modifier les styles du texte du masque</a:t>
             </a:r>
           </a:p>
           <a:p>
             <a:pPr lvl="1"/>
             <a:r>
-              <a:rPr lang="fr-FR" smtClean="0"/>
+              <a:rPr lang="fr-FR"/>
               <a:t>Deuxième niveau</a:t>
             </a:r>
           </a:p>
           <a:p>
             <a:pPr lvl="2"/>
             <a:r>
-              <a:rPr lang="fr-FR" smtClean="0"/>
+              <a:rPr lang="fr-FR"/>
               <a:t>Troisième niveau</a:t>
             </a:r>
           </a:p>
           <a:p>
             <a:pPr lvl="3"/>
             <a:r>
-              <a:rPr lang="fr-FR" smtClean="0"/>
+              <a:rPr lang="fr-FR"/>
               <a:t>Quatrième niveau</a:t>
             </a:r>
           </a:p>
           <a:p>
             <a:pPr lvl="4"/>
             <a:r>
-              <a:rPr lang="fr-FR" smtClean="0"/>
+              <a:rPr lang="fr-FR"/>
               <a:t>Cinquième niveau</a:t>
             </a:r>
-            <a:endParaRPr lang="fr-FR"/>
           </a:p>
         </p:txBody>
       </p:sp>
@@ -642,7 +652,7 @@
             <a:fld id="{E1E9137A-D7C1-4F8C-A62B-C89ADD9F06F3}" type="datetimeFigureOut">
               <a:rPr lang="fr-FR" smtClean="0"/>
               <a:pPr/>
-              <a:t>23/08/2014</a:t>
+              <a:t>09/06/2024</a:t>
             </a:fld>
             <a:endParaRPr lang="fr-FR"/>
           </a:p>
@@ -732,10 +742,9 @@
           <a:lstStyle/>
           <a:p>
             <a:r>
-              <a:rPr lang="fr-FR" smtClean="0"/>
+              <a:rPr lang="fr-FR"/>
               <a:t>Cliquez pour modifier le style du titre</a:t>
             </a:r>
-            <a:endParaRPr lang="fr-FR"/>
           </a:p>
         </p:txBody>
       </p:sp>
@@ -756,38 +765,37 @@
           <a:p>
             <a:pPr lvl="0"/>
             <a:r>
-              <a:rPr lang="fr-FR" smtClean="0"/>
+              <a:rPr lang="fr-FR"/>
               <a:t>Cliquez pour modifier les styles du texte du masque</a:t>
             </a:r>
           </a:p>
           <a:p>
             <a:pPr lvl="1"/>
             <a:r>
-              <a:rPr lang="fr-FR" smtClean="0"/>
+              <a:rPr lang="fr-FR"/>
               <a:t>Deuxième niveau</a:t>
             </a:r>
           </a:p>
           <a:p>
             <a:pPr lvl="2"/>
             <a:r>
-              <a:rPr lang="fr-FR" smtClean="0"/>
+              <a:rPr lang="fr-FR"/>
               <a:t>Troisième niveau</a:t>
             </a:r>
           </a:p>
           <a:p>
             <a:pPr lvl="3"/>
             <a:r>
-              <a:rPr lang="fr-FR" smtClean="0"/>
+              <a:rPr lang="fr-FR"/>
               <a:t>Quatrième niveau</a:t>
             </a:r>
           </a:p>
           <a:p>
             <a:pPr lvl="4"/>
             <a:r>
-              <a:rPr lang="fr-FR" smtClean="0"/>
+              <a:rPr lang="fr-FR"/>
               <a:t>Cinquième niveau</a:t>
             </a:r>
-            <a:endParaRPr lang="fr-FR"/>
           </a:p>
         </p:txBody>
       </p:sp>
@@ -809,7 +817,7 @@
             <a:fld id="{E1E9137A-D7C1-4F8C-A62B-C89ADD9F06F3}" type="datetimeFigureOut">
               <a:rPr lang="fr-FR" smtClean="0"/>
               <a:pPr/>
-              <a:t>23/08/2014</a:t>
+              <a:t>09/06/2024</a:t>
             </a:fld>
             <a:endParaRPr lang="fr-FR"/>
           </a:p>
@@ -908,10 +916,9 @@
           </a:lstStyle>
           <a:p>
             <a:r>
-              <a:rPr lang="fr-FR" smtClean="0"/>
+              <a:rPr lang="fr-FR"/>
               <a:t>Cliquez pour modifier le style du titre</a:t>
             </a:r>
-            <a:endParaRPr lang="fr-FR"/>
           </a:p>
         </p:txBody>
       </p:sp>
@@ -1028,7 +1035,7 @@
           <a:p>
             <a:pPr lvl="0"/>
             <a:r>
-              <a:rPr lang="fr-FR" smtClean="0"/>
+              <a:rPr lang="fr-FR"/>
               <a:t>Cliquez pour modifier les styles du texte du masque</a:t>
             </a:r>
           </a:p>
@@ -1052,7 +1059,7 @@
             <a:fld id="{E1E9137A-D7C1-4F8C-A62B-C89ADD9F06F3}" type="datetimeFigureOut">
               <a:rPr lang="fr-FR" smtClean="0"/>
               <a:pPr/>
-              <a:t>23/08/2014</a:t>
+              <a:t>09/06/2024</a:t>
             </a:fld>
             <a:endParaRPr lang="fr-FR"/>
           </a:p>
@@ -1142,10 +1149,9 @@
           <a:lstStyle/>
           <a:p>
             <a:r>
-              <a:rPr lang="fr-FR" smtClean="0"/>
+              <a:rPr lang="fr-FR"/>
               <a:t>Cliquez pour modifier le style du titre</a:t>
             </a:r>
-            <a:endParaRPr lang="fr-FR"/>
           </a:p>
         </p:txBody>
       </p:sp>
@@ -1199,38 +1205,37 @@
           <a:p>
             <a:pPr lvl="0"/>
             <a:r>
-              <a:rPr lang="fr-FR" smtClean="0"/>
+              <a:rPr lang="fr-FR"/>
               <a:t>Cliquez pour modifier les styles du texte du masque</a:t>
             </a:r>
           </a:p>
           <a:p>
             <a:pPr lvl="1"/>
             <a:r>
-              <a:rPr lang="fr-FR" smtClean="0"/>
+              <a:rPr lang="fr-FR"/>
               <a:t>Deuxième niveau</a:t>
             </a:r>
           </a:p>
           <a:p>
             <a:pPr lvl="2"/>
             <a:r>
-              <a:rPr lang="fr-FR" smtClean="0"/>
+              <a:rPr lang="fr-FR"/>
               <a:t>Troisième niveau</a:t>
             </a:r>
           </a:p>
           <a:p>
             <a:pPr lvl="3"/>
             <a:r>
-              <a:rPr lang="fr-FR" smtClean="0"/>
+              <a:rPr lang="fr-FR"/>
               <a:t>Quatrième niveau</a:t>
             </a:r>
           </a:p>
           <a:p>
             <a:pPr lvl="4"/>
             <a:r>
-              <a:rPr lang="fr-FR" smtClean="0"/>
+              <a:rPr lang="fr-FR"/>
               <a:t>Cinquième niveau</a:t>
             </a:r>
-            <a:endParaRPr lang="fr-FR"/>
           </a:p>
         </p:txBody>
       </p:sp>
@@ -1284,38 +1289,37 @@
           <a:p>
             <a:pPr lvl="0"/>
             <a:r>
-              <a:rPr lang="fr-FR" smtClean="0"/>
+              <a:rPr lang="fr-FR"/>
               <a:t>Cliquez pour modifier les styles du texte du masque</a:t>
             </a:r>
           </a:p>
           <a:p>
             <a:pPr lvl="1"/>
             <a:r>
-              <a:rPr lang="fr-FR" smtClean="0"/>
+              <a:rPr lang="fr-FR"/>
               <a:t>Deuxième niveau</a:t>
             </a:r>
           </a:p>
           <a:p>
             <a:pPr lvl="2"/>
             <a:r>
-              <a:rPr lang="fr-FR" smtClean="0"/>
+              <a:rPr lang="fr-FR"/>
               <a:t>Troisième niveau</a:t>
             </a:r>
           </a:p>
           <a:p>
             <a:pPr lvl="3"/>
             <a:r>
-              <a:rPr lang="fr-FR" smtClean="0"/>
+              <a:rPr lang="fr-FR"/>
               <a:t>Quatrième niveau</a:t>
             </a:r>
           </a:p>
           <a:p>
             <a:pPr lvl="4"/>
             <a:r>
-              <a:rPr lang="fr-FR" smtClean="0"/>
+              <a:rPr lang="fr-FR"/>
               <a:t>Cinquième niveau</a:t>
             </a:r>
-            <a:endParaRPr lang="fr-FR"/>
           </a:p>
         </p:txBody>
       </p:sp>
@@ -1337,7 +1341,7 @@
             <a:fld id="{E1E9137A-D7C1-4F8C-A62B-C89ADD9F06F3}" type="datetimeFigureOut">
               <a:rPr lang="fr-FR" smtClean="0"/>
               <a:pPr/>
-              <a:t>23/08/2014</a:t>
+              <a:t>09/06/2024</a:t>
             </a:fld>
             <a:endParaRPr lang="fr-FR"/>
           </a:p>
@@ -1431,10 +1435,9 @@
           </a:lstStyle>
           <a:p>
             <a:r>
-              <a:rPr lang="fr-FR" smtClean="0"/>
+              <a:rPr lang="fr-FR"/>
               <a:t>Cliquez pour modifier le style du titre</a:t>
             </a:r>
-            <a:endParaRPr lang="fr-FR"/>
           </a:p>
         </p:txBody>
       </p:sp>
@@ -1497,7 +1500,7 @@
           <a:p>
             <a:pPr lvl="0"/>
             <a:r>
-              <a:rPr lang="fr-FR" smtClean="0"/>
+              <a:rPr lang="fr-FR"/>
               <a:t>Cliquez pour modifier les styles du texte du masque</a:t>
             </a:r>
           </a:p>
@@ -1553,38 +1556,37 @@
           <a:p>
             <a:pPr lvl="0"/>
             <a:r>
-              <a:rPr lang="fr-FR" smtClean="0"/>
+              <a:rPr lang="fr-FR"/>
               <a:t>Cliquez pour modifier les styles du texte du masque</a:t>
             </a:r>
           </a:p>
           <a:p>
             <a:pPr lvl="1"/>
             <a:r>
-              <a:rPr lang="fr-FR" smtClean="0"/>
+              <a:rPr lang="fr-FR"/>
               <a:t>Deuxième niveau</a:t>
             </a:r>
           </a:p>
           <a:p>
             <a:pPr lvl="2"/>
             <a:r>
-              <a:rPr lang="fr-FR" smtClean="0"/>
+              <a:rPr lang="fr-FR"/>
               <a:t>Troisième niveau</a:t>
             </a:r>
           </a:p>
           <a:p>
             <a:pPr lvl="3"/>
             <a:r>
-              <a:rPr lang="fr-FR" smtClean="0"/>
+              <a:rPr lang="fr-FR"/>
               <a:t>Quatrième niveau</a:t>
             </a:r>
           </a:p>
           <a:p>
             <a:pPr lvl="4"/>
             <a:r>
-              <a:rPr lang="fr-FR" smtClean="0"/>
+              <a:rPr lang="fr-FR"/>
               <a:t>Cinquième niveau</a:t>
             </a:r>
-            <a:endParaRPr lang="fr-FR"/>
           </a:p>
         </p:txBody>
       </p:sp>
@@ -1647,7 +1649,7 @@
           <a:p>
             <a:pPr lvl="0"/>
             <a:r>
-              <a:rPr lang="fr-FR" smtClean="0"/>
+              <a:rPr lang="fr-FR"/>
               <a:t>Cliquez pour modifier les styles du texte du masque</a:t>
             </a:r>
           </a:p>
@@ -1703,38 +1705,37 @@
           <a:p>
             <a:pPr lvl="0"/>
             <a:r>
-              <a:rPr lang="fr-FR" smtClean="0"/>
+              <a:rPr lang="fr-FR"/>
               <a:t>Cliquez pour modifier les styles du texte du masque</a:t>
             </a:r>
           </a:p>
           <a:p>
             <a:pPr lvl="1"/>
             <a:r>
-              <a:rPr lang="fr-FR" smtClean="0"/>
+              <a:rPr lang="fr-FR"/>
               <a:t>Deuxième niveau</a:t>
             </a:r>
           </a:p>
           <a:p>
             <a:pPr lvl="2"/>
             <a:r>
-              <a:rPr lang="fr-FR" smtClean="0"/>
+              <a:rPr lang="fr-FR"/>
               <a:t>Troisième niveau</a:t>
             </a:r>
           </a:p>
           <a:p>
             <a:pPr lvl="3"/>
             <a:r>
-              <a:rPr lang="fr-FR" smtClean="0"/>
+              <a:rPr lang="fr-FR"/>
               <a:t>Quatrième niveau</a:t>
             </a:r>
           </a:p>
           <a:p>
             <a:pPr lvl="4"/>
             <a:r>
-              <a:rPr lang="fr-FR" smtClean="0"/>
+              <a:rPr lang="fr-FR"/>
               <a:t>Cinquième niveau</a:t>
             </a:r>
-            <a:endParaRPr lang="fr-FR"/>
           </a:p>
         </p:txBody>
       </p:sp>
@@ -1756,7 +1757,7 @@
             <a:fld id="{E1E9137A-D7C1-4F8C-A62B-C89ADD9F06F3}" type="datetimeFigureOut">
               <a:rPr lang="fr-FR" smtClean="0"/>
               <a:pPr/>
-              <a:t>23/08/2014</a:t>
+              <a:t>09/06/2024</a:t>
             </a:fld>
             <a:endParaRPr lang="fr-FR"/>
           </a:p>
@@ -1846,10 +1847,9 @@
           <a:lstStyle/>
           <a:p>
             <a:r>
-              <a:rPr lang="fr-FR" smtClean="0"/>
+              <a:rPr lang="fr-FR"/>
               <a:t>Cliquez pour modifier le style du titre</a:t>
             </a:r>
-            <a:endParaRPr lang="fr-FR"/>
           </a:p>
         </p:txBody>
       </p:sp>
@@ -1871,7 +1871,7 @@
             <a:fld id="{E1E9137A-D7C1-4F8C-A62B-C89ADD9F06F3}" type="datetimeFigureOut">
               <a:rPr lang="fr-FR" smtClean="0"/>
               <a:pPr/>
-              <a:t>23/08/2014</a:t>
+              <a:t>09/06/2024</a:t>
             </a:fld>
             <a:endParaRPr lang="fr-FR"/>
           </a:p>
@@ -1963,7 +1963,7 @@
             <a:fld id="{E1E9137A-D7C1-4F8C-A62B-C89ADD9F06F3}" type="datetimeFigureOut">
               <a:rPr lang="fr-FR" smtClean="0"/>
               <a:pPr/>
-              <a:t>23/08/2014</a:t>
+              <a:t>09/06/2024</a:t>
             </a:fld>
             <a:endParaRPr lang="fr-FR"/>
           </a:p>
@@ -2062,10 +2062,9 @@
           </a:lstStyle>
           <a:p>
             <a:r>
-              <a:rPr lang="fr-FR" smtClean="0"/>
+              <a:rPr lang="fr-FR"/>
               <a:t>Cliquez pour modifier le style du titre</a:t>
             </a:r>
-            <a:endParaRPr lang="fr-FR"/>
           </a:p>
         </p:txBody>
       </p:sp>
@@ -2119,38 +2118,37 @@
           <a:p>
             <a:pPr lvl="0"/>
             <a:r>
-              <a:rPr lang="fr-FR" smtClean="0"/>
+              <a:rPr lang="fr-FR"/>
               <a:t>Cliquez pour modifier les styles du texte du masque</a:t>
             </a:r>
           </a:p>
           <a:p>
             <a:pPr lvl="1"/>
             <a:r>
-              <a:rPr lang="fr-FR" smtClean="0"/>
+              <a:rPr lang="fr-FR"/>
               <a:t>Deuxième niveau</a:t>
             </a:r>
           </a:p>
           <a:p>
             <a:pPr lvl="2"/>
             <a:r>
-              <a:rPr lang="fr-FR" smtClean="0"/>
+              <a:rPr lang="fr-FR"/>
               <a:t>Troisième niveau</a:t>
             </a:r>
           </a:p>
           <a:p>
             <a:pPr lvl="3"/>
             <a:r>
-              <a:rPr lang="fr-FR" smtClean="0"/>
+              <a:rPr lang="fr-FR"/>
               <a:t>Quatrième niveau</a:t>
             </a:r>
           </a:p>
           <a:p>
             <a:pPr lvl="4"/>
             <a:r>
-              <a:rPr lang="fr-FR" smtClean="0"/>
+              <a:rPr lang="fr-FR"/>
               <a:t>Cinquième niveau</a:t>
             </a:r>
-            <a:endParaRPr lang="fr-FR"/>
           </a:p>
         </p:txBody>
       </p:sp>
@@ -2213,7 +2211,7 @@
           <a:p>
             <a:pPr lvl="0"/>
             <a:r>
-              <a:rPr lang="fr-FR" smtClean="0"/>
+              <a:rPr lang="fr-FR"/>
               <a:t>Cliquez pour modifier les styles du texte du masque</a:t>
             </a:r>
           </a:p>
@@ -2237,7 +2235,7 @@
             <a:fld id="{E1E9137A-D7C1-4F8C-A62B-C89ADD9F06F3}" type="datetimeFigureOut">
               <a:rPr lang="fr-FR" smtClean="0"/>
               <a:pPr/>
-              <a:t>23/08/2014</a:t>
+              <a:t>09/06/2024</a:t>
             </a:fld>
             <a:endParaRPr lang="fr-FR"/>
           </a:p>
@@ -2336,10 +2334,9 @@
           </a:lstStyle>
           <a:p>
             <a:r>
-              <a:rPr lang="fr-FR" smtClean="0"/>
+              <a:rPr lang="fr-FR"/>
               <a:t>Cliquez pour modifier le style du titre</a:t>
             </a:r>
-            <a:endParaRPr lang="fr-FR"/>
           </a:p>
         </p:txBody>
       </p:sp>
@@ -2463,7 +2460,7 @@
           <a:p>
             <a:pPr lvl="0"/>
             <a:r>
-              <a:rPr lang="fr-FR" smtClean="0"/>
+              <a:rPr lang="fr-FR"/>
               <a:t>Cliquez pour modifier les styles du texte du masque</a:t>
             </a:r>
           </a:p>
@@ -2487,7 +2484,7 @@
             <a:fld id="{E1E9137A-D7C1-4F8C-A62B-C89ADD9F06F3}" type="datetimeFigureOut">
               <a:rPr lang="fr-FR" smtClean="0"/>
               <a:pPr/>
-              <a:t>23/08/2014</a:t>
+              <a:t>09/06/2024</a:t>
             </a:fld>
             <a:endParaRPr lang="fr-FR"/>
           </a:p>
@@ -2601,10 +2598,9 @@
           <a:lstStyle/>
           <a:p>
             <a:r>
-              <a:rPr lang="fr-FR" smtClean="0"/>
+              <a:rPr lang="fr-FR"/>
               <a:t>Cliquez pour modifier le style du titre</a:t>
             </a:r>
-            <a:endParaRPr lang="fr-FR"/>
           </a:p>
         </p:txBody>
       </p:sp>
@@ -2635,38 +2631,37 @@
           <a:p>
             <a:pPr lvl="0"/>
             <a:r>
-              <a:rPr lang="fr-FR" smtClean="0"/>
+              <a:rPr lang="fr-FR"/>
               <a:t>Cliquez pour modifier les styles du texte du masque</a:t>
             </a:r>
           </a:p>
           <a:p>
             <a:pPr lvl="1"/>
             <a:r>
-              <a:rPr lang="fr-FR" smtClean="0"/>
+              <a:rPr lang="fr-FR"/>
               <a:t>Deuxième niveau</a:t>
             </a:r>
           </a:p>
           <a:p>
             <a:pPr lvl="2"/>
             <a:r>
-              <a:rPr lang="fr-FR" smtClean="0"/>
+              <a:rPr lang="fr-FR"/>
               <a:t>Troisième niveau</a:t>
             </a:r>
           </a:p>
           <a:p>
             <a:pPr lvl="3"/>
             <a:r>
-              <a:rPr lang="fr-FR" smtClean="0"/>
+              <a:rPr lang="fr-FR"/>
               <a:t>Quatrième niveau</a:t>
             </a:r>
           </a:p>
           <a:p>
             <a:pPr lvl="4"/>
             <a:r>
-              <a:rPr lang="fr-FR" smtClean="0"/>
+              <a:rPr lang="fr-FR"/>
               <a:t>Cinquième niveau</a:t>
             </a:r>
-            <a:endParaRPr lang="fr-FR"/>
           </a:p>
         </p:txBody>
       </p:sp>
@@ -2706,7 +2701,7 @@
             <a:fld id="{E1E9137A-D7C1-4F8C-A62B-C89ADD9F06F3}" type="datetimeFigureOut">
               <a:rPr lang="fr-FR" smtClean="0"/>
               <a:pPr/>
-              <a:t>23/08/2014</a:t>
+              <a:t>09/06/2024</a:t>
             </a:fld>
             <a:endParaRPr lang="fr-FR"/>
           </a:p>
@@ -3115,7 +3110,7 @@
           <a:p>
             <a:pPr algn="ctr"/>
             <a:r>
-              <a:rPr lang="fr-FR" sz="4000" b="1" i="1" dirty="0" err="1" smtClean="0">
+              <a:rPr lang="fr-FR" sz="4000" b="1" i="1" dirty="0" err="1">
                 <a:solidFill>
                   <a:schemeClr val="bg1"/>
                 </a:solidFill>
@@ -3123,7 +3118,7 @@
               <a:t>Ry</a:t>
             </a:r>
             <a:r>
-              <a:rPr lang="fr-FR" sz="4000" b="1" i="1" dirty="0" smtClean="0">
+              <a:rPr lang="fr-FR" sz="4000" b="1" i="1" dirty="0">
                 <a:solidFill>
                   <a:schemeClr val="bg1"/>
                 </a:solidFill>
@@ -3131,7 +3126,7 @@
               <a:t> </a:t>
             </a:r>
             <a:r>
-              <a:rPr lang="fr-FR" sz="4000" b="1" i="1" dirty="0" err="1" smtClean="0">
+              <a:rPr lang="fr-FR" sz="4000" b="1" i="1" dirty="0" err="1">
                 <a:solidFill>
                   <a:schemeClr val="bg1"/>
                 </a:solidFill>
@@ -3139,7 +3134,7 @@
               <a:t>Jeso</a:t>
             </a:r>
             <a:r>
-              <a:rPr lang="fr-FR" sz="4000" b="1" i="1" dirty="0" smtClean="0">
+              <a:rPr lang="fr-FR" sz="4000" b="1" i="1" dirty="0">
                 <a:solidFill>
                   <a:schemeClr val="bg1"/>
                 </a:solidFill>
@@ -3147,7 +3142,7 @@
               <a:t> </a:t>
             </a:r>
             <a:r>
-              <a:rPr lang="fr-FR" sz="4000" b="1" i="1" dirty="0" err="1" smtClean="0">
+              <a:rPr lang="fr-FR" sz="4000" b="1" i="1" dirty="0" err="1">
                 <a:solidFill>
                   <a:schemeClr val="bg1"/>
                 </a:solidFill>
@@ -3155,20 +3150,12 @@
               <a:t>Masoandronay</a:t>
             </a:r>
             <a:r>
-              <a:rPr lang="fr-FR" sz="4000" b="1" i="1" dirty="0" smtClean="0">
-                <a:solidFill>
-                  <a:schemeClr val="bg1"/>
-                </a:solidFill>
-              </a:rPr>
-              <a:t> ô</a:t>
-            </a:r>
-            <a:r>
-              <a:rPr lang="fr-FR" sz="4000" b="1" i="1" dirty="0" smtClean="0">
-                <a:solidFill>
-                  <a:schemeClr val="bg1"/>
-                </a:solidFill>
-              </a:rPr>
-              <a:t>!</a:t>
+              <a:rPr lang="fr-FR" sz="4000" b="1" i="1" dirty="0">
+                <a:solidFill>
+                  <a:schemeClr val="bg1"/>
+                </a:solidFill>
+              </a:rPr>
+              <a:t> ô!</a:t>
             </a:r>
             <a:endParaRPr lang="fr-FR" sz="4000" i="1" dirty="0">
               <a:solidFill>
@@ -3201,7 +3188,7 @@
           <a:p>
             <a:pPr algn="ctr"/>
             <a:r>
-              <a:rPr lang="fi-FI" sz="11500" b="1" dirty="0" smtClean="0">
+              <a:rPr lang="fi-FI" sz="11500" b="1" dirty="0">
                 <a:solidFill>
                   <a:schemeClr val="bg1"/>
                 </a:solidFill>
@@ -3221,20 +3208,26 @@
   <p:clrMapOvr>
     <a:masterClrMapping/>
   </p:clrMapOvr>
-  <mc:AlternateContent xmlns:mc="http://schemas.openxmlformats.org/markup-compatibility/2006">
-    <mc:Choice xmlns:p14="http://schemas.microsoft.com/office/powerpoint/2010/main" Requires="p14">
-      <p:transition spd="slow" p14:dur="2000"/>
-    </mc:Choice>
-    <mc:Fallback>
-      <p:transition spd="slow"/>
-    </mc:Fallback>
-  </mc:AlternateContent>
 </p:sld>
 </file>
 
 <file path=ppt/slides/slide2.xml><?xml version="1.0" encoding="utf-8"?>
 <p:sld xmlns:a="http://schemas.openxmlformats.org/drawingml/2006/main" xmlns:r="http://schemas.openxmlformats.org/officeDocument/2006/relationships" xmlns:p="http://schemas.openxmlformats.org/presentationml/2006/main">
   <p:cSld>
+    <p:bg>
+      <p:bgPr>
+        <a:blipFill dpi="0" rotWithShape="1">
+          <a:blip r:embed="rId2">
+            <a:lum/>
+          </a:blip>
+          <a:srcRect/>
+          <a:stretch>
+            <a:fillRect t="-25000" b="-25000"/>
+          </a:stretch>
+        </a:blipFill>
+        <a:effectLst/>
+      </p:bgPr>
+    </p:bg>
     <p:spTree>
       <p:nvGrpSpPr>
         <p:cNvPr id="1" name=""/>
@@ -3272,7 +3265,7 @@
           <a:p>
             <a:pPr algn="ctr"/>
             <a:r>
-              <a:rPr lang="pt-BR" sz="6000" b="1" dirty="0" smtClean="0">
+              <a:rPr lang="pt-BR" sz="6000" b="1" dirty="0">
                 <a:solidFill>
                   <a:schemeClr val="bg1"/>
                 </a:solidFill>
@@ -3283,7 +3276,7 @@
           <a:p>
             <a:pPr algn="ctr"/>
             <a:r>
-              <a:rPr lang="nb-NO" sz="6000" b="1" dirty="0" smtClean="0">
+              <a:rPr lang="nb-NO" sz="6000" b="1" dirty="0">
                 <a:solidFill>
                   <a:schemeClr val="bg1"/>
                 </a:solidFill>
@@ -3294,7 +3287,7 @@
           <a:p>
             <a:pPr algn="ctr"/>
             <a:r>
-              <a:rPr lang="it-IT" sz="6000" b="1" dirty="0" smtClean="0">
+              <a:rPr lang="it-IT" sz="6000" b="1" dirty="0">
                 <a:solidFill>
                   <a:schemeClr val="bg1"/>
                 </a:solidFill>
@@ -3305,7 +3298,7 @@
           <a:p>
             <a:pPr algn="ctr"/>
             <a:r>
-              <a:rPr lang="fr-FR" sz="6000" b="1" dirty="0" err="1" smtClean="0">
+              <a:rPr lang="fr-FR" sz="6000" b="1" dirty="0" err="1">
                 <a:solidFill>
                   <a:schemeClr val="bg1"/>
                 </a:solidFill>
@@ -3313,7 +3306,7 @@
               <a:t>Mazava</a:t>
             </a:r>
             <a:r>
-              <a:rPr lang="fr-FR" sz="6000" b="1" dirty="0" smtClean="0">
+              <a:rPr lang="fr-FR" sz="6000" b="1" dirty="0">
                 <a:solidFill>
                   <a:schemeClr val="bg1"/>
                 </a:solidFill>
@@ -3321,7 +3314,7 @@
               <a:t> </a:t>
             </a:r>
             <a:r>
-              <a:rPr lang="fr-FR" sz="6000" b="1" dirty="0" err="1" smtClean="0">
+              <a:rPr lang="fr-FR" sz="6000" b="1" dirty="0" err="1">
                 <a:solidFill>
                   <a:schemeClr val="bg1"/>
                 </a:solidFill>
@@ -3329,18 +3322,13 @@
               <a:t>lehibe</a:t>
             </a:r>
             <a:r>
-              <a:rPr lang="fr-FR" sz="6000" b="1" dirty="0" smtClean="0">
+              <a:rPr lang="fr-FR" sz="6000" b="1" dirty="0">
                 <a:solidFill>
                   <a:schemeClr val="bg1"/>
                 </a:solidFill>
               </a:rPr>
               <a:t>.</a:t>
             </a:r>
-            <a:endParaRPr lang="fr-FR" sz="6000" b="1" dirty="0" smtClean="0">
-              <a:solidFill>
-                <a:schemeClr val="bg1"/>
-              </a:solidFill>
-            </a:endParaRPr>
           </a:p>
         </p:txBody>
       </p:sp>
@@ -3625,11 +3613,6 @@
               </a:rPr>
               <a:t>.</a:t>
             </a:r>
-            <a:endParaRPr lang="fr-FR" sz="5400" b="1" dirty="0">
-              <a:solidFill>
-                <a:schemeClr val="bg1"/>
-              </a:solidFill>
-            </a:endParaRPr>
           </a:p>
         </p:txBody>
       </p:sp>
@@ -3686,7 +3669,7 @@
           <a:p>
             <a:pPr algn="ctr"/>
             <a:r>
-              <a:rPr lang="fr-FR" sz="6000" b="1" dirty="0" smtClean="0">
+              <a:rPr lang="fr-FR" sz="6000" b="1" dirty="0">
                 <a:solidFill>
                   <a:schemeClr val="bg1"/>
                 </a:solidFill>
@@ -3694,7 +3677,7 @@
               <a:t>2. </a:t>
             </a:r>
             <a:r>
-              <a:rPr lang="fr-FR" sz="6000" b="1" dirty="0" err="1" smtClean="0">
+              <a:rPr lang="fr-FR" sz="6000" b="1" dirty="0" err="1">
                 <a:solidFill>
                   <a:schemeClr val="bg1"/>
                 </a:solidFill>
@@ -3702,7 +3685,7 @@
               <a:t>Vangianao</a:t>
             </a:r>
             <a:r>
-              <a:rPr lang="fr-FR" sz="6000" b="1" dirty="0" smtClean="0">
+              <a:rPr lang="fr-FR" sz="6000" b="1" dirty="0">
                 <a:solidFill>
                   <a:schemeClr val="bg1"/>
                 </a:solidFill>
@@ -3710,7 +3693,7 @@
               <a:t> </a:t>
             </a:r>
             <a:r>
-              <a:rPr lang="fr-FR" sz="6000" b="1" dirty="0" err="1" smtClean="0">
+              <a:rPr lang="fr-FR" sz="6000" b="1" dirty="0" err="1">
                 <a:solidFill>
                   <a:schemeClr val="bg1"/>
                 </a:solidFill>
@@ -3718,7 +3701,7 @@
               <a:t>ny</a:t>
             </a:r>
             <a:r>
-              <a:rPr lang="fr-FR" sz="6000" b="1" dirty="0" smtClean="0">
+              <a:rPr lang="fr-FR" sz="6000" b="1" dirty="0">
                 <a:solidFill>
                   <a:schemeClr val="bg1"/>
                 </a:solidFill>
@@ -3726,14 +3709,14 @@
               <a:t> </a:t>
             </a:r>
             <a:r>
-              <a:rPr lang="fr-FR" sz="6000" b="1" dirty="0" err="1" smtClean="0">
+              <a:rPr lang="fr-FR" sz="6000" b="1" dirty="0" err="1">
                 <a:solidFill>
                   <a:schemeClr val="bg1"/>
                 </a:solidFill>
               </a:rPr>
               <a:t>tokantrano</a:t>
             </a:r>
-            <a:endParaRPr lang="fr-FR" sz="6000" b="1" dirty="0" smtClean="0">
+            <a:endParaRPr lang="fr-FR" sz="6000" b="1" dirty="0">
               <a:solidFill>
                 <a:schemeClr val="bg1"/>
               </a:solidFill>
@@ -3742,7 +3725,7 @@
           <a:p>
             <a:pPr algn="ctr"/>
             <a:r>
-              <a:rPr lang="pl-PL" sz="6000" b="1" dirty="0" smtClean="0">
+              <a:rPr lang="pl-PL" sz="6000" b="1" dirty="0">
                 <a:solidFill>
                   <a:schemeClr val="bg1"/>
                 </a:solidFill>
@@ -3753,7 +3736,7 @@
           <a:p>
             <a:pPr algn="ctr"/>
             <a:r>
-              <a:rPr lang="fr-FR" sz="6000" b="1" dirty="0" err="1" smtClean="0">
+              <a:rPr lang="fr-FR" sz="6000" b="1" dirty="0" err="1">
                 <a:solidFill>
                   <a:schemeClr val="bg1"/>
                 </a:solidFill>
@@ -3761,7 +3744,7 @@
               <a:t>Ny</a:t>
             </a:r>
             <a:r>
-              <a:rPr lang="fr-FR" sz="6000" b="1" dirty="0" smtClean="0">
+              <a:rPr lang="fr-FR" sz="6000" b="1" dirty="0">
                 <a:solidFill>
                   <a:schemeClr val="bg1"/>
                 </a:solidFill>
@@ -3769,7 +3752,7 @@
               <a:t> </a:t>
             </a:r>
             <a:r>
-              <a:rPr lang="fr-FR" sz="6000" b="1" dirty="0" err="1" smtClean="0">
+              <a:rPr lang="fr-FR" sz="6000" b="1" dirty="0" err="1">
                 <a:solidFill>
                   <a:schemeClr val="bg1"/>
                 </a:solidFill>
@@ -3777,7 +3760,7 @@
               <a:t>fomba</a:t>
             </a:r>
             <a:r>
-              <a:rPr lang="fr-FR" sz="6000" b="1" dirty="0" smtClean="0">
+              <a:rPr lang="fr-FR" sz="6000" b="1" dirty="0">
                 <a:solidFill>
                   <a:schemeClr val="bg1"/>
                 </a:solidFill>
@@ -3785,7 +3768,7 @@
               <a:t> </a:t>
             </a:r>
             <a:r>
-              <a:rPr lang="fr-FR" sz="6000" b="1" dirty="0" err="1" smtClean="0">
+              <a:rPr lang="fr-FR" sz="6000" b="1" dirty="0" err="1">
                 <a:solidFill>
                   <a:schemeClr val="bg1"/>
                 </a:solidFill>
@@ -3793,7 +3776,7 @@
               <a:t>ahitana</a:t>
             </a:r>
             <a:r>
-              <a:rPr lang="fr-FR" sz="6000" b="1" dirty="0" smtClean="0">
+              <a:rPr lang="fr-FR" sz="6000" b="1" dirty="0">
                 <a:solidFill>
                   <a:schemeClr val="bg1"/>
                 </a:solidFill>
@@ -3801,14 +3784,14 @@
               <a:t> </a:t>
             </a:r>
             <a:r>
-              <a:rPr lang="fr-FR" sz="6000" b="1" dirty="0" err="1" smtClean="0">
+              <a:rPr lang="fr-FR" sz="6000" b="1" dirty="0" err="1">
                 <a:solidFill>
                   <a:schemeClr val="bg1"/>
                 </a:solidFill>
               </a:rPr>
               <a:t>angano</a:t>
             </a:r>
-            <a:endParaRPr lang="fr-FR" sz="6000" b="1" dirty="0" smtClean="0">
+            <a:endParaRPr lang="fr-FR" sz="6000" b="1" dirty="0">
               <a:solidFill>
                 <a:schemeClr val="bg1"/>
               </a:solidFill>
@@ -3817,7 +3800,7 @@
           <a:p>
             <a:pPr algn="ctr"/>
             <a:r>
-              <a:rPr lang="fr-FR" sz="6000" b="1" dirty="0" err="1" smtClean="0">
+              <a:rPr lang="fr-FR" sz="6000" b="1" dirty="0" err="1">
                 <a:solidFill>
                   <a:schemeClr val="bg1"/>
                 </a:solidFill>
@@ -3825,7 +3808,7 @@
               <a:t>Izay</a:t>
             </a:r>
             <a:r>
-              <a:rPr lang="fr-FR" sz="6000" b="1" dirty="0" smtClean="0">
+              <a:rPr lang="fr-FR" sz="6000" b="1" dirty="0">
                 <a:solidFill>
                   <a:schemeClr val="bg1"/>
                 </a:solidFill>
@@ -3833,7 +3816,7 @@
               <a:t> </a:t>
             </a:r>
             <a:r>
-              <a:rPr lang="fr-FR" sz="6000" b="1" dirty="0" err="1" smtClean="0">
+              <a:rPr lang="fr-FR" sz="6000" b="1" dirty="0" err="1">
                 <a:solidFill>
                   <a:schemeClr val="bg1"/>
                 </a:solidFill>
@@ -3841,7 +3824,7 @@
               <a:t>tsy</a:t>
             </a:r>
             <a:r>
-              <a:rPr lang="fr-FR" sz="6000" b="1" dirty="0" smtClean="0">
+              <a:rPr lang="fr-FR" sz="6000" b="1" dirty="0">
                 <a:solidFill>
                   <a:schemeClr val="bg1"/>
                 </a:solidFill>
@@ -3849,7 +3832,7 @@
               <a:t> </a:t>
             </a:r>
             <a:r>
-              <a:rPr lang="fr-FR" sz="6000" b="1" dirty="0" err="1" smtClean="0">
+              <a:rPr lang="fr-FR" sz="6000" b="1" dirty="0" err="1">
                 <a:solidFill>
                   <a:schemeClr val="bg1"/>
                 </a:solidFill>
@@ -3857,7 +3840,7 @@
               <a:t>mba</a:t>
             </a:r>
             <a:r>
-              <a:rPr lang="fr-FR" sz="6000" b="1" dirty="0" smtClean="0">
+              <a:rPr lang="fr-FR" sz="6000" b="1" dirty="0">
                 <a:solidFill>
                   <a:schemeClr val="bg1"/>
                 </a:solidFill>
@@ -3865,7 +3848,7 @@
               <a:t> </a:t>
             </a:r>
             <a:r>
-              <a:rPr lang="fr-FR" sz="6000" b="1" dirty="0" err="1" smtClean="0">
+              <a:rPr lang="fr-FR" sz="6000" b="1" dirty="0" err="1">
                 <a:solidFill>
                   <a:schemeClr val="bg1"/>
                 </a:solidFill>
@@ -3873,18 +3856,13 @@
               <a:t>sitrakao</a:t>
             </a:r>
             <a:r>
-              <a:rPr lang="fr-FR" sz="6000" b="1" dirty="0" smtClean="0">
+              <a:rPr lang="fr-FR" sz="6000" b="1" dirty="0">
                 <a:solidFill>
                   <a:schemeClr val="bg1"/>
                 </a:solidFill>
               </a:rPr>
               <a:t>.</a:t>
             </a:r>
-            <a:endParaRPr lang="fr-FR" sz="6000" b="1" dirty="0" smtClean="0">
-              <a:solidFill>
-                <a:schemeClr val="bg1"/>
-              </a:solidFill>
-            </a:endParaRPr>
           </a:p>
         </p:txBody>
       </p:sp>
@@ -4169,11 +4147,6 @@
               </a:rPr>
               <a:t>.</a:t>
             </a:r>
-            <a:endParaRPr lang="fr-FR" sz="5400" b="1" dirty="0">
-              <a:solidFill>
-                <a:schemeClr val="bg1"/>
-              </a:solidFill>
-            </a:endParaRPr>
           </a:p>
         </p:txBody>
       </p:sp>
@@ -4230,7 +4203,7 @@
           <a:p>
             <a:pPr algn="ctr"/>
             <a:r>
-              <a:rPr lang="fr-FR" sz="6000" b="1" dirty="0" smtClean="0">
+              <a:rPr lang="fr-FR" sz="6000" b="1" dirty="0">
                 <a:solidFill>
                   <a:schemeClr val="bg1"/>
                 </a:solidFill>
@@ -4238,7 +4211,7 @@
               <a:t>3. </a:t>
             </a:r>
             <a:r>
-              <a:rPr lang="fr-FR" sz="6000" b="1" dirty="0" err="1" smtClean="0">
+              <a:rPr lang="fr-FR" sz="6000" b="1" dirty="0" err="1">
                 <a:solidFill>
                   <a:schemeClr val="bg1"/>
                 </a:solidFill>
@@ -4246,7 +4219,7 @@
               <a:t>Mpanjaka</a:t>
             </a:r>
             <a:r>
-              <a:rPr lang="fr-FR" sz="6000" b="1" dirty="0" smtClean="0">
+              <a:rPr lang="fr-FR" sz="6000" b="1" dirty="0">
                 <a:solidFill>
                   <a:schemeClr val="bg1"/>
                 </a:solidFill>
@@ -4254,7 +4227,7 @@
               <a:t> </a:t>
             </a:r>
             <a:r>
-              <a:rPr lang="fr-FR" sz="6000" b="1" dirty="0" err="1" smtClean="0">
+              <a:rPr lang="fr-FR" sz="6000" b="1" dirty="0" err="1">
                 <a:solidFill>
                   <a:schemeClr val="bg1"/>
                 </a:solidFill>
@@ -4262,7 +4235,7 @@
               <a:t>Fiadananay</a:t>
             </a:r>
             <a:r>
-              <a:rPr lang="fr-FR" sz="6000" b="1" dirty="0" smtClean="0">
+              <a:rPr lang="fr-FR" sz="6000" b="1" dirty="0">
                 <a:solidFill>
                   <a:schemeClr val="bg1"/>
                 </a:solidFill>
@@ -4273,7 +4246,7 @@
           <a:p>
             <a:pPr algn="ctr"/>
             <a:r>
-              <a:rPr lang="fr-FR" sz="6000" b="1" dirty="0" err="1" smtClean="0">
+              <a:rPr lang="fr-FR" sz="6000" b="1" dirty="0" err="1">
                 <a:solidFill>
                   <a:schemeClr val="bg1"/>
                 </a:solidFill>
@@ -4281,7 +4254,7 @@
               <a:t>Ekena</a:t>
             </a:r>
             <a:r>
-              <a:rPr lang="fr-FR" sz="6000" b="1" dirty="0" smtClean="0">
+              <a:rPr lang="fr-FR" sz="6000" b="1" dirty="0">
                 <a:solidFill>
                   <a:schemeClr val="bg1"/>
                 </a:solidFill>
@@ -4289,7 +4262,7 @@
               <a:t> </a:t>
             </a:r>
             <a:r>
-              <a:rPr lang="fr-FR" sz="6000" b="1" dirty="0" err="1" smtClean="0">
+              <a:rPr lang="fr-FR" sz="6000" b="1" dirty="0" err="1">
                 <a:solidFill>
                   <a:schemeClr val="bg1"/>
                 </a:solidFill>
@@ -4297,7 +4270,7 @@
               <a:t>tokoa</a:t>
             </a:r>
             <a:r>
-              <a:rPr lang="fr-FR" sz="6000" b="1" dirty="0" smtClean="0">
+              <a:rPr lang="fr-FR" sz="6000" b="1" dirty="0">
                 <a:solidFill>
                   <a:schemeClr val="bg1"/>
                 </a:solidFill>
@@ -4305,7 +4278,7 @@
               <a:t> </a:t>
             </a:r>
             <a:r>
-              <a:rPr lang="fr-FR" sz="6000" b="1" dirty="0" err="1" smtClean="0">
+              <a:rPr lang="fr-FR" sz="6000" b="1" dirty="0" err="1">
                 <a:solidFill>
                   <a:schemeClr val="bg1"/>
                 </a:solidFill>
@@ -4313,7 +4286,7 @@
               <a:t>ny</a:t>
             </a:r>
             <a:r>
-              <a:rPr lang="fr-FR" sz="6000" b="1" dirty="0" smtClean="0">
+              <a:rPr lang="fr-FR" sz="6000" b="1" dirty="0">
                 <a:solidFill>
                   <a:schemeClr val="bg1"/>
                 </a:solidFill>
@@ -4321,7 +4294,7 @@
               <a:t> </a:t>
             </a:r>
             <a:r>
-              <a:rPr lang="fr-FR" sz="6000" b="1" dirty="0" err="1" smtClean="0">
+              <a:rPr lang="fr-FR" sz="6000" b="1" dirty="0" err="1">
                 <a:solidFill>
                   <a:schemeClr val="bg1"/>
                 </a:solidFill>
@@ -4329,7 +4302,7 @@
               <a:t>herinao</a:t>
             </a:r>
             <a:r>
-              <a:rPr lang="fr-FR" sz="6000" b="1" dirty="0" smtClean="0">
+              <a:rPr lang="fr-FR" sz="6000" b="1" dirty="0">
                 <a:solidFill>
                   <a:schemeClr val="bg1"/>
                 </a:solidFill>
@@ -4340,7 +4313,7 @@
           <a:p>
             <a:pPr algn="ctr"/>
             <a:r>
-              <a:rPr lang="fr-FR" sz="6000" b="1" dirty="0" err="1" smtClean="0">
+              <a:rPr lang="fr-FR" sz="6000" b="1" dirty="0" err="1">
                 <a:solidFill>
                   <a:schemeClr val="bg1"/>
                 </a:solidFill>
@@ -4348,7 +4321,7 @@
               <a:t>Ny</a:t>
             </a:r>
             <a:r>
-              <a:rPr lang="fr-FR" sz="6000" b="1" dirty="0" smtClean="0">
+              <a:rPr lang="fr-FR" sz="6000" b="1" dirty="0">
                 <a:solidFill>
                   <a:schemeClr val="bg1"/>
                 </a:solidFill>
@@ -4356,7 +4329,7 @@
               <a:t> </a:t>
             </a:r>
             <a:r>
-              <a:rPr lang="fr-FR" sz="6000" b="1" dirty="0" err="1" smtClean="0">
+              <a:rPr lang="fr-FR" sz="6000" b="1" dirty="0" err="1">
                 <a:solidFill>
                   <a:schemeClr val="bg1"/>
                 </a:solidFill>
@@ -4364,7 +4337,7 @@
               <a:t>sabatry</a:t>
             </a:r>
             <a:r>
-              <a:rPr lang="fr-FR" sz="6000" b="1" dirty="0" smtClean="0">
+              <a:rPr lang="fr-FR" sz="6000" b="1" dirty="0">
                 <a:solidFill>
                   <a:schemeClr val="bg1"/>
                 </a:solidFill>
@@ -4372,7 +4345,7 @@
               <a:t> </a:t>
             </a:r>
             <a:r>
-              <a:rPr lang="fr-FR" sz="6000" b="1" dirty="0" err="1" smtClean="0">
+              <a:rPr lang="fr-FR" sz="6000" b="1" dirty="0" err="1">
                 <a:solidFill>
                   <a:schemeClr val="bg1"/>
                 </a:solidFill>
@@ -4380,7 +4353,7 @@
               <a:t>ny</a:t>
             </a:r>
             <a:r>
-              <a:rPr lang="fr-FR" sz="6000" b="1" dirty="0" smtClean="0">
+              <a:rPr lang="fr-FR" sz="6000" b="1" dirty="0">
                 <a:solidFill>
                   <a:schemeClr val="bg1"/>
                 </a:solidFill>
@@ -4388,74 +4361,69 @@
               <a:t> </a:t>
             </a:r>
             <a:r>
-              <a:rPr lang="fr-FR" sz="6000" b="1" dirty="0" err="1" smtClean="0">
+              <a:rPr lang="fr-FR" sz="6000" b="1" dirty="0" err="1">
                 <a:solidFill>
                   <a:schemeClr val="bg1"/>
                 </a:solidFill>
               </a:rPr>
               <a:t>firenena</a:t>
-            </a:r>
-            <a:endParaRPr lang="fr-FR" sz="6000" b="1" dirty="0" smtClean="0">
-              <a:solidFill>
-                <a:schemeClr val="bg1"/>
-              </a:solidFill>
-            </a:endParaRPr>
-          </a:p>
-          <a:p>
-            <a:pPr algn="ctr"/>
-            <a:r>
-              <a:rPr lang="fr-FR" sz="6000" b="1" dirty="0" err="1" smtClean="0">
-                <a:solidFill>
-                  <a:schemeClr val="bg1"/>
-                </a:solidFill>
-              </a:rPr>
-              <a:t>Hatao</a:t>
-            </a:r>
-            <a:r>
-              <a:rPr lang="fr-FR" sz="6000" b="1" dirty="0" smtClean="0">
-                <a:solidFill>
-                  <a:schemeClr val="bg1"/>
-                </a:solidFill>
-              </a:rPr>
-              <a:t> </a:t>
-            </a:r>
-            <a:r>
-              <a:rPr lang="fr-FR" sz="6000" b="1" dirty="0" err="1" smtClean="0">
-                <a:solidFill>
-                  <a:schemeClr val="bg1"/>
-                </a:solidFill>
-              </a:rPr>
-              <a:t>fangady</a:t>
-            </a:r>
-            <a:r>
-              <a:rPr lang="fr-FR" sz="6000" b="1" dirty="0" smtClean="0">
-                <a:solidFill>
-                  <a:schemeClr val="bg1"/>
-                </a:solidFill>
-              </a:rPr>
-              <a:t> </a:t>
-            </a:r>
-            <a:r>
-              <a:rPr lang="fr-FR" sz="6000" b="1" dirty="0" err="1" smtClean="0">
-                <a:solidFill>
-                  <a:schemeClr val="bg1"/>
-                </a:solidFill>
-              </a:rPr>
-              <a:t>izao</a:t>
-            </a:r>
-            <a:r>
-              <a:rPr lang="fr-FR" sz="6000" b="1" dirty="0" smtClean="0">
-                <a:solidFill>
-                  <a:schemeClr val="bg1"/>
-                </a:solidFill>
-              </a:rPr>
-              <a:t>.</a:t>
             </a:r>
             <a:endParaRPr lang="fr-FR" sz="6000" b="1" dirty="0">
               <a:solidFill>
                 <a:schemeClr val="bg1"/>
               </a:solidFill>
             </a:endParaRPr>
+          </a:p>
+          <a:p>
+            <a:pPr algn="ctr"/>
+            <a:r>
+              <a:rPr lang="fr-FR" sz="6000" b="1" dirty="0" err="1">
+                <a:solidFill>
+                  <a:schemeClr val="bg1"/>
+                </a:solidFill>
+              </a:rPr>
+              <a:t>Hatao</a:t>
+            </a:r>
+            <a:r>
+              <a:rPr lang="fr-FR" sz="6000" b="1" dirty="0">
+                <a:solidFill>
+                  <a:schemeClr val="bg1"/>
+                </a:solidFill>
+              </a:rPr>
+              <a:t> </a:t>
+            </a:r>
+            <a:r>
+              <a:rPr lang="fr-FR" sz="6000" b="1" dirty="0" err="1">
+                <a:solidFill>
+                  <a:schemeClr val="bg1"/>
+                </a:solidFill>
+              </a:rPr>
+              <a:t>fangady</a:t>
+            </a:r>
+            <a:r>
+              <a:rPr lang="fr-FR" sz="6000" b="1" dirty="0">
+                <a:solidFill>
+                  <a:schemeClr val="bg1"/>
+                </a:solidFill>
+              </a:rPr>
+              <a:t> </a:t>
+            </a:r>
+            <a:r>
+              <a:rPr lang="fr-FR" sz="6000" b="1" dirty="0" err="1">
+                <a:solidFill>
+                  <a:schemeClr val="bg1"/>
+                </a:solidFill>
+              </a:rPr>
+              <a:t>izao</a:t>
+            </a:r>
+            <a:r>
+              <a:rPr lang="fr-FR" sz="6000" b="1" dirty="0">
+                <a:solidFill>
+                  <a:schemeClr val="bg1"/>
+                </a:solidFill>
+              </a:rPr>
+              <a:t>.</a:t>
+            </a:r>
           </a:p>
         </p:txBody>
       </p:sp>
@@ -4740,11 +4708,6 @@
               </a:rPr>
               <a:t>.</a:t>
             </a:r>
-            <a:endParaRPr lang="fr-FR" sz="5400" b="1" dirty="0">
-              <a:solidFill>
-                <a:schemeClr val="bg1"/>
-              </a:solidFill>
-            </a:endParaRPr>
           </a:p>
         </p:txBody>
       </p:sp>
@@ -4801,7 +4764,7 @@
           <a:p>
             <a:pPr algn="ctr"/>
             <a:r>
-              <a:rPr lang="fr-FR" sz="6000" b="1" dirty="0" smtClean="0">
+              <a:rPr lang="fr-FR" sz="6000" b="1" dirty="0">
                 <a:solidFill>
                   <a:schemeClr val="bg1"/>
                 </a:solidFill>
@@ -4809,7 +4772,7 @@
               <a:t>4. </a:t>
             </a:r>
             <a:r>
-              <a:rPr lang="fr-FR" sz="6000" b="1" dirty="0" err="1" smtClean="0">
+              <a:rPr lang="fr-FR" sz="6000" b="1" dirty="0" err="1">
                 <a:solidFill>
                   <a:schemeClr val="bg1"/>
                 </a:solidFill>
@@ -4817,7 +4780,7 @@
               <a:t>Ry</a:t>
             </a:r>
             <a:r>
-              <a:rPr lang="fr-FR" sz="6000" b="1" dirty="0" smtClean="0">
+              <a:rPr lang="fr-FR" sz="6000" b="1" dirty="0">
                 <a:solidFill>
                   <a:schemeClr val="bg1"/>
                 </a:solidFill>
@@ -4825,7 +4788,7 @@
               <a:t> </a:t>
             </a:r>
             <a:r>
-              <a:rPr lang="fr-FR" sz="6000" b="1" dirty="0" err="1" smtClean="0">
+              <a:rPr lang="fr-FR" sz="6000" b="1" dirty="0" err="1">
                 <a:solidFill>
                   <a:schemeClr val="bg1"/>
                 </a:solidFill>
@@ -4833,7 +4796,7 @@
               <a:t>Jeso</a:t>
             </a:r>
             <a:r>
-              <a:rPr lang="fr-FR" sz="6000" b="1" dirty="0" smtClean="0">
+              <a:rPr lang="fr-FR" sz="6000" b="1" dirty="0">
                 <a:solidFill>
                   <a:schemeClr val="bg1"/>
                 </a:solidFill>
@@ -4841,7 +4804,7 @@
               <a:t> </a:t>
             </a:r>
             <a:r>
-              <a:rPr lang="fr-FR" sz="6000" b="1" dirty="0" err="1" smtClean="0">
+              <a:rPr lang="fr-FR" sz="6000" b="1" dirty="0" err="1">
                 <a:solidFill>
                   <a:schemeClr val="bg1"/>
                 </a:solidFill>
@@ -4849,7 +4812,7 @@
               <a:t>Tompo</a:t>
             </a:r>
             <a:r>
-              <a:rPr lang="fr-FR" sz="6000" b="1" dirty="0" smtClean="0">
+              <a:rPr lang="fr-FR" sz="6000" b="1" dirty="0">
                 <a:solidFill>
                   <a:schemeClr val="bg1"/>
                 </a:solidFill>
@@ -4857,7 +4820,7 @@
               <a:t> </a:t>
             </a:r>
             <a:r>
-              <a:rPr lang="fr-FR" sz="6000" b="1" dirty="0" err="1" smtClean="0">
+              <a:rPr lang="fr-FR" sz="6000" b="1" dirty="0" err="1">
                 <a:solidFill>
                   <a:schemeClr val="bg1"/>
                 </a:solidFill>
@@ -4865,7 +4828,7 @@
               <a:t>tia</a:t>
             </a:r>
             <a:r>
-              <a:rPr lang="fr-FR" sz="6000" b="1" dirty="0" smtClean="0">
+              <a:rPr lang="fr-FR" sz="6000" b="1" dirty="0">
                 <a:solidFill>
                   <a:schemeClr val="bg1"/>
                 </a:solidFill>
@@ -4873,7 +4836,7 @@
               <a:t> </a:t>
             </a:r>
             <a:r>
-              <a:rPr lang="fr-FR" sz="6000" b="1" dirty="0" err="1" smtClean="0">
+              <a:rPr lang="fr-FR" sz="6000" b="1" dirty="0" err="1">
                 <a:solidFill>
                   <a:schemeClr val="bg1"/>
                 </a:solidFill>
@@ -4881,7 +4844,7 @@
               <a:t>anay</a:t>
             </a:r>
             <a:r>
-              <a:rPr lang="fr-FR" sz="6000" b="1" dirty="0" smtClean="0">
+              <a:rPr lang="fr-FR" sz="6000" b="1" dirty="0">
                 <a:solidFill>
                   <a:schemeClr val="bg1"/>
                 </a:solidFill>
@@ -4892,7 +4855,7 @@
           <a:p>
             <a:pPr algn="ctr"/>
             <a:r>
-              <a:rPr lang="fr-FR" sz="6000" b="1" dirty="0" err="1" smtClean="0">
+              <a:rPr lang="fr-FR" sz="6000" b="1" dirty="0" err="1">
                 <a:solidFill>
                   <a:schemeClr val="bg1"/>
                 </a:solidFill>
@@ -4900,7 +4863,7 @@
               <a:t>Misaotra</a:t>
             </a:r>
             <a:r>
-              <a:rPr lang="fr-FR" sz="6000" b="1" dirty="0" smtClean="0">
+              <a:rPr lang="fr-FR" sz="6000" b="1" dirty="0">
                 <a:solidFill>
                   <a:schemeClr val="bg1"/>
                 </a:solidFill>
@@ -4908,7 +4871,7 @@
               <a:t> </a:t>
             </a:r>
             <a:r>
-              <a:rPr lang="fr-FR" sz="6000" b="1" dirty="0" err="1" smtClean="0">
+              <a:rPr lang="fr-FR" sz="6000" b="1" dirty="0" err="1">
                 <a:solidFill>
                   <a:schemeClr val="bg1"/>
                 </a:solidFill>
@@ -4916,7 +4879,7 @@
               <a:t>Anao</a:t>
             </a:r>
             <a:r>
-              <a:rPr lang="fr-FR" sz="6000" b="1" dirty="0" smtClean="0">
+              <a:rPr lang="fr-FR" sz="6000" b="1" dirty="0">
                 <a:solidFill>
                   <a:schemeClr val="bg1"/>
                 </a:solidFill>
@@ -4924,7 +4887,7 @@
               <a:t> </a:t>
             </a:r>
             <a:r>
-              <a:rPr lang="fr-FR" sz="6000" b="1" dirty="0" err="1" smtClean="0">
+              <a:rPr lang="fr-FR" sz="6000" b="1" dirty="0" err="1">
                 <a:solidFill>
                   <a:schemeClr val="bg1"/>
                 </a:solidFill>
@@ -4932,7 +4895,7 @@
               <a:t>izahay</a:t>
             </a:r>
             <a:r>
-              <a:rPr lang="fr-FR" sz="6000" b="1" dirty="0" smtClean="0">
+              <a:rPr lang="fr-FR" sz="6000" b="1" dirty="0">
                 <a:solidFill>
                   <a:schemeClr val="bg1"/>
                 </a:solidFill>
@@ -4940,14 +4903,14 @@
               <a:t> </a:t>
             </a:r>
             <a:r>
-              <a:rPr lang="fr-FR" sz="6000" b="1" dirty="0" err="1" smtClean="0">
+              <a:rPr lang="fr-FR" sz="6000" b="1" dirty="0" err="1">
                 <a:solidFill>
                   <a:schemeClr val="bg1"/>
                 </a:solidFill>
               </a:rPr>
               <a:t>izao</a:t>
             </a:r>
-            <a:endParaRPr lang="fr-FR" sz="6000" b="1" dirty="0" smtClean="0">
+            <a:endParaRPr lang="fr-FR" sz="6000" b="1" dirty="0">
               <a:solidFill>
                 <a:schemeClr val="bg1"/>
               </a:solidFill>
@@ -4956,7 +4919,7 @@
           <a:p>
             <a:pPr algn="ctr"/>
             <a:r>
-              <a:rPr lang="fr-FR" sz="6000" b="1" dirty="0" smtClean="0">
+              <a:rPr lang="fr-FR" sz="6000" b="1" dirty="0">
                 <a:solidFill>
                   <a:schemeClr val="bg1"/>
                 </a:solidFill>
@@ -4964,7 +4927,7 @@
               <a:t>Fa </a:t>
             </a:r>
             <a:r>
-              <a:rPr lang="fr-FR" sz="6000" b="1" dirty="0" err="1" smtClean="0">
+              <a:rPr lang="fr-FR" sz="6000" b="1" dirty="0" err="1">
                 <a:solidFill>
                   <a:schemeClr val="bg1"/>
                 </a:solidFill>
@@ -4972,7 +4935,7 @@
               <a:t>henika</a:t>
             </a:r>
             <a:r>
-              <a:rPr lang="fr-FR" sz="6000" b="1" dirty="0" smtClean="0">
+              <a:rPr lang="fr-FR" sz="6000" b="1" dirty="0">
                 <a:solidFill>
                   <a:schemeClr val="bg1"/>
                 </a:solidFill>
@@ -4980,7 +4943,7 @@
               <a:t> </a:t>
             </a:r>
             <a:r>
-              <a:rPr lang="fr-FR" sz="6000" b="1" dirty="0" err="1" smtClean="0">
+              <a:rPr lang="fr-FR" sz="6000" b="1" dirty="0" err="1">
                 <a:solidFill>
                   <a:schemeClr val="bg1"/>
                 </a:solidFill>
@@ -4988,7 +4951,7 @@
               <a:t>ny</a:t>
             </a:r>
             <a:r>
-              <a:rPr lang="fr-FR" sz="6000" b="1" dirty="0" smtClean="0">
+              <a:rPr lang="fr-FR" sz="6000" b="1" dirty="0">
                 <a:solidFill>
                   <a:schemeClr val="bg1"/>
                 </a:solidFill>
@@ -4996,7 +4959,7 @@
               <a:t> </a:t>
             </a:r>
             <a:r>
-              <a:rPr lang="fr-FR" sz="6000" b="1" dirty="0" err="1" smtClean="0">
+              <a:rPr lang="fr-FR" sz="6000" b="1" dirty="0" err="1">
                 <a:solidFill>
                   <a:schemeClr val="bg1"/>
                 </a:solidFill>
@@ -5004,7 +4967,7 @@
               <a:t>hasoavanao</a:t>
             </a:r>
             <a:r>
-              <a:rPr lang="fr-FR" sz="6000" b="1" dirty="0" smtClean="0">
+              <a:rPr lang="fr-FR" sz="6000" b="1" dirty="0">
                 <a:solidFill>
                   <a:schemeClr val="bg1"/>
                 </a:solidFill>
@@ -5015,7 +4978,7 @@
           <a:p>
             <a:pPr algn="ctr"/>
             <a:r>
-              <a:rPr lang="fr-FR" sz="6000" b="1" dirty="0" err="1" smtClean="0">
+              <a:rPr lang="fr-FR" sz="6000" b="1" dirty="0" err="1">
                 <a:solidFill>
                   <a:schemeClr val="bg1"/>
                 </a:solidFill>
@@ -5023,7 +4986,7 @@
               <a:t>Izao</a:t>
             </a:r>
             <a:r>
-              <a:rPr lang="fr-FR" sz="6000" b="1" dirty="0" smtClean="0">
+              <a:rPr lang="fr-FR" sz="6000" b="1" dirty="0">
                 <a:solidFill>
                   <a:schemeClr val="bg1"/>
                 </a:solidFill>
@@ -5031,7 +4994,7 @@
               <a:t> </a:t>
             </a:r>
             <a:r>
-              <a:rPr lang="fr-FR" sz="6000" b="1" dirty="0" err="1" smtClean="0">
+              <a:rPr lang="fr-FR" sz="6000" b="1" dirty="0" err="1">
                 <a:solidFill>
                   <a:schemeClr val="bg1"/>
                 </a:solidFill>
@@ -5039,7 +5002,7 @@
               <a:t>tontolo</a:t>
             </a:r>
             <a:r>
-              <a:rPr lang="fr-FR" sz="6000" b="1" dirty="0" smtClean="0">
+              <a:rPr lang="fr-FR" sz="6000" b="1" dirty="0">
                 <a:solidFill>
                   <a:schemeClr val="bg1"/>
                 </a:solidFill>
@@ -5047,7 +5010,7 @@
               <a:t> </a:t>
             </a:r>
             <a:r>
-              <a:rPr lang="fr-FR" sz="6000" b="1" dirty="0" err="1" smtClean="0">
+              <a:rPr lang="fr-FR" sz="6000" b="1" dirty="0" err="1">
                 <a:solidFill>
                   <a:schemeClr val="bg1"/>
                 </a:solidFill>
@@ -5055,18 +5018,13 @@
               <a:t>izao</a:t>
             </a:r>
             <a:r>
-              <a:rPr lang="fr-FR" sz="6000" b="1" dirty="0" smtClean="0">
+              <a:rPr lang="fr-FR" sz="6000" b="1" dirty="0">
                 <a:solidFill>
                   <a:schemeClr val="bg1"/>
                 </a:solidFill>
               </a:rPr>
               <a:t>.</a:t>
             </a:r>
-            <a:endParaRPr lang="fr-FR" sz="6000" b="1" dirty="0" smtClean="0">
-              <a:solidFill>
-                <a:schemeClr val="bg1"/>
-              </a:solidFill>
-            </a:endParaRPr>
           </a:p>
         </p:txBody>
       </p:sp>
@@ -5351,11 +5309,6 @@
               </a:rPr>
               <a:t>.</a:t>
             </a:r>
-            <a:endParaRPr lang="fr-FR" sz="5400" b="1" dirty="0">
-              <a:solidFill>
-                <a:schemeClr val="bg1"/>
-              </a:solidFill>
-            </a:endParaRPr>
           </a:p>
         </p:txBody>
       </p:sp>
